--- a/material/Java百问百答-基本类型、包装类型和常量池的.pptx
+++ b/material/Java百问百答-基本类型、包装类型和常量池的.pptx
@@ -1,24 +1,24 @@
 
 <file path=ppt/presentation.xml><?xml version="1.0" encoding="utf-8"?>
-<p:presentation xmlns:a="http://schemas.openxmlformats.org/drawingml/2006/main" xmlns:r="http://schemas.openxmlformats.org/officeDocument/2006/relationships" xmlns:p="http://schemas.openxmlformats.org/presentationml/2006/main">
+<p:presentation xmlns:a="http://schemas.openxmlformats.org/drawingml/2006/main" xmlns:r="http://schemas.openxmlformats.org/officeDocument/2006/relationships" xmlns:p="http://schemas.openxmlformats.org/presentationml/2006/main" saveSubsetFonts="1">
   <p:sldMasterIdLst>
     <p:sldMasterId id="2147483648" r:id="rId1"/>
   </p:sldMasterIdLst>
   <p:notesMasterIdLst>
-    <p:notesMasterId r:id="rId5"/>
+    <p:notesMasterId r:id="rId10"/>
   </p:notesMasterIdLst>
   <p:handoutMasterIdLst>
-    <p:handoutMasterId r:id="rId12"/>
+    <p:handoutMasterId r:id="rId11"/>
   </p:handoutMasterIdLst>
   <p:sldIdLst>
-    <p:sldId id="256" r:id="rId3"/>
-    <p:sldId id="397" r:id="rId4"/>
-    <p:sldId id="268" r:id="rId6"/>
-    <p:sldId id="400" r:id="rId7"/>
-    <p:sldId id="402" r:id="rId8"/>
-    <p:sldId id="401" r:id="rId9"/>
-    <p:sldId id="403" r:id="rId10"/>
-    <p:sldId id="269" r:id="rId11"/>
+    <p:sldId id="256" r:id="rId2"/>
+    <p:sldId id="397" r:id="rId3"/>
+    <p:sldId id="268" r:id="rId4"/>
+    <p:sldId id="400" r:id="rId5"/>
+    <p:sldId id="402" r:id="rId6"/>
+    <p:sldId id="401" r:id="rId7"/>
+    <p:sldId id="403" r:id="rId8"/>
+    <p:sldId id="269" r:id="rId9"/>
   </p:sldIdLst>
   <p:sldSz cx="12192000" cy="6858000"/>
   <p:notesSz cx="6858000" cy="9144000"/>
@@ -310,6 +310,22 @@
       </a:defRPr>
     </a:lvl9pPr>
   </p:defaultTextStyle>
+  <p:extLst>
+    <p:ext uri="{EFAFB233-063F-42B5-8137-9DF3F51BA10A}">
+      <p15:sldGuideLst xmlns:p15="http://schemas.microsoft.com/office/powerpoint/2012/main">
+        <p15:guide id="1" orient="horz" pos="2160">
+          <p15:clr>
+            <a:srgbClr val="A4A3A4"/>
+          </p15:clr>
+        </p15:guide>
+        <p15:guide id="2" pos="3840">
+          <p15:clr>
+            <a:srgbClr val="A4A3A4"/>
+          </p15:clr>
+        </p15:guide>
+      </p15:sldGuideLst>
+    </p:ext>
+  </p:extLst>
 </p:presentation>
 </file>
 
@@ -395,6 +411,7 @@
           <a:p>
             <a:fld id="{0F9B84EA-7D68-4D60-9CB1-D50884785D1C}" type="datetimeFigureOut">
               <a:rPr lang="zh-CN" altLang="en-US" smtClean="0"/>
+              <a:t>2019/10/15</a:t>
             </a:fld>
             <a:endParaRPr lang="zh-CN" altLang="en-US"/>
           </a:p>
@@ -460,12 +477,18 @@
           <a:p>
             <a:fld id="{8D4E0FC9-F1F8-4FAE-9988-3BA365CFD46F}" type="slidenum">
               <a:rPr lang="zh-CN" altLang="en-US" smtClean="0"/>
+              <a:t>‹#›</a:t>
             </a:fld>
             <a:endParaRPr lang="zh-CN" altLang="en-US"/>
           </a:p>
         </p:txBody>
       </p:sp>
     </p:spTree>
+    <p:extLst>
+      <p:ext uri="{BB962C8B-B14F-4D97-AF65-F5344CB8AC3E}">
+        <p14:creationId xmlns:p14="http://schemas.microsoft.com/office/powerpoint/2010/main" val="643047910"/>
+      </p:ext>
+    </p:extLst>
   </p:cSld>
   <p:clrMap bg1="lt1" tx1="dk1" bg2="lt2" tx2="dk2" accent1="accent1" accent2="accent2" accent3="accent3" accent4="accent4" accent5="accent5" accent6="accent6" hlink="hlink" folHlink="folHlink"/>
 </p:handoutMaster>
@@ -515,7 +538,9 @@
         <p:txBody>
           <a:bodyPr/>
           <a:lstStyle/>
-          <a:p/>
+          <a:p>
+            <a:endParaRPr/>
+          </a:p>
         </p:txBody>
       </p:sp>
       <p:sp>
@@ -540,10 +565,17 @@
         <p:txBody>
           <a:bodyPr/>
           <a:lstStyle/>
-          <a:p/>
+          <a:p>
+            <a:endParaRPr/>
+          </a:p>
         </p:txBody>
       </p:sp>
     </p:spTree>
+    <p:extLst>
+      <p:ext uri="{BB962C8B-B14F-4D97-AF65-F5344CB8AC3E}">
+        <p14:creationId xmlns:p14="http://schemas.microsoft.com/office/powerpoint/2010/main" val="2130584396"/>
+      </p:ext>
+    </p:extLst>
   </p:cSld>
   <p:clrMap bg1="lt1" tx1="dk1" bg2="lt2" tx2="dk2" accent1="accent1" accent2="accent2" accent3="accent3" accent4="accent4" accent5="accent5" accent6="accent6" hlink="hlink" folHlink="folHlink"/>
   <p:notesStyle>
@@ -677,6 +709,11 @@
         </p:txBody>
       </p:sp>
     </p:spTree>
+    <p:extLst>
+      <p:ext uri="{BB962C8B-B14F-4D97-AF65-F5344CB8AC3E}">
+        <p14:creationId xmlns:p14="http://schemas.microsoft.com/office/powerpoint/2010/main" val="1589613494"/>
+      </p:ext>
+    </p:extLst>
   </p:cSld>
   <p:clrMapOvr>
     <a:masterClrMapping/>
@@ -793,6 +830,7 @@
           <a:p>
             <a:fld id="{86CB4B4D-7CA3-9044-876B-883B54F8677D}" type="slidenum">
               <a:rPr/>
+              <a:t>‹#›</a:t>
             </a:fld>
             <a:endParaRPr/>
           </a:p>
@@ -972,7 +1010,6 @@
               <a:rPr lang="zh-CN" altLang="en-US" dirty="0"/>
               <a:t>此处输入章标题</a:t>
             </a:r>
-            <a:endParaRPr lang="zh-CN" altLang="en-US" dirty="0"/>
           </a:p>
         </p:txBody>
       </p:sp>
@@ -2287,7 +2324,6 @@
               <a:rPr lang="zh-CN" altLang="en-US" dirty="0"/>
               <a:t>标题</a:t>
             </a:r>
-            <a:endParaRPr lang="zh-CN" altLang="en-US" dirty="0"/>
           </a:p>
         </p:txBody>
       </p:sp>
@@ -2375,7 +2411,6 @@
               <a:rPr lang="zh-CN" altLang="en-US" dirty="0"/>
               <a:t>标题</a:t>
             </a:r>
-            <a:endParaRPr lang="zh-CN" altLang="en-US" dirty="0"/>
           </a:p>
         </p:txBody>
       </p:sp>
@@ -3744,7 +3779,6 @@
               <a:rPr dirty="0"/>
               <a:t> 1</a:t>
             </a:r>
-            <a:endParaRPr dirty="0"/>
           </a:p>
           <a:p>
             <a:pPr lvl="1"/>
@@ -3756,7 +3790,6 @@
               <a:rPr dirty="0"/>
               <a:t> 2</a:t>
             </a:r>
-            <a:endParaRPr dirty="0"/>
           </a:p>
           <a:p>
             <a:pPr lvl="2"/>
@@ -3768,7 +3801,6 @@
               <a:rPr dirty="0"/>
               <a:t> 3</a:t>
             </a:r>
-            <a:endParaRPr dirty="0"/>
           </a:p>
           <a:p>
             <a:pPr lvl="3"/>
@@ -3780,7 +3812,6 @@
               <a:rPr dirty="0"/>
               <a:t> 4</a:t>
             </a:r>
-            <a:endParaRPr dirty="0"/>
           </a:p>
           <a:p>
             <a:pPr lvl="4"/>
@@ -3792,7 +3823,6 @@
               <a:rPr dirty="0"/>
               <a:t> 5</a:t>
             </a:r>
-            <a:endParaRPr dirty="0"/>
           </a:p>
         </p:txBody>
       </p:sp>
@@ -4650,9 +4680,6 @@
               </a:rPr>
               <a:t>icodeyou</a:t>
             </a:r>
-            <a:endParaRPr lang="en-US" altLang="zh-CN" dirty="0">
-              <a:cs typeface="Times New Roman" panose="02020703060505090304"/>
-            </a:endParaRPr>
           </a:p>
         </p:txBody>
       </p:sp>
@@ -4688,9 +4715,6 @@
               </a:rPr>
               <a:t> 百问百答</a:t>
             </a:r>
-            <a:endParaRPr lang="zh-CN" altLang="en-US" b="1" dirty="0">
-              <a:sym typeface="Times New Roman" panose="02020703060505090304"/>
-            </a:endParaRPr>
           </a:p>
         </p:txBody>
       </p:sp>
@@ -4712,7 +4736,7 @@
         </p:spPr>
         <p:txBody>
           <a:bodyPr>
-            <a:normAutofit/>
+            <a:normAutofit lnSpcReduction="10000"/>
           </a:bodyPr>
           <a:lstStyle/>
           <a:p>
@@ -4822,15 +4846,6 @@
               </a:rPr>
               <a:t>本节目录</a:t>
             </a:r>
-            <a:endParaRPr lang="zh-CN" altLang="en-US" sz="2800" dirty="0">
-              <a:solidFill>
-                <a:schemeClr val="bg1">
-                  <a:lumMod val="50000"/>
-                </a:schemeClr>
-              </a:solidFill>
-              <a:latin typeface="微软雅黑" panose="020B0503020204020204" pitchFamily="34" charset="-122"/>
-              <a:ea typeface="微软雅黑" panose="020B0503020204020204" pitchFamily="34" charset="-122"/>
-            </a:endParaRPr>
           </a:p>
         </p:txBody>
       </p:sp>
@@ -4936,12 +4951,6 @@
               </a:rPr>
               <a:t>数值判等的陷阱</a:t>
             </a:r>
-            <a:endParaRPr lang="zh-CN" altLang="en-US" sz="2800" dirty="0">
-              <a:latin typeface="微软雅黑" panose="020B0503020204020204" pitchFamily="34" charset="-122"/>
-              <a:ea typeface="微软雅黑" panose="020B0503020204020204" pitchFamily="34" charset="-122"/>
-              <a:cs typeface="微软雅黑" panose="020B0503020204020204" pitchFamily="34" charset="-122"/>
-              <a:sym typeface="Google Sans"/>
-            </a:endParaRPr>
           </a:p>
         </p:txBody>
       </p:sp>
@@ -5623,11 +5632,17 @@
         <p:nvGraphicFramePr>
           <p:cNvPr id="2" name="表格 1"/>
           <p:cNvGraphicFramePr/>
-          <p:nvPr/>
+          <p:nvPr>
+            <p:extLst>
+              <p:ext uri="{D42A27DB-BD31-4B8C-83A1-F6EECF244321}">
+                <p14:modId xmlns:p14="http://schemas.microsoft.com/office/powerpoint/2010/main" val="1245709803"/>
+              </p:ext>
+            </p:extLst>
+          </p:nvPr>
         </p:nvGraphicFramePr>
         <p:xfrm>
           <a:off x="1828800" y="1308735"/>
-          <a:ext cx="8534400" cy="3429000"/>
+          <a:ext cx="8534400" cy="5090160"/>
         </p:xfrm>
         <a:graphic>
           <a:graphicData uri="http://schemas.openxmlformats.org/drawingml/2006/table">
@@ -5643,6 +5658,7 @@
                 <a:tc>
                   <a:txBody>
                     <a:bodyPr/>
+                    <a:lstStyle/>
                     <a:p>
                       <a:pPr algn="ctr">
                         <a:buNone/>
@@ -5669,6 +5685,7 @@
                 <a:tc>
                   <a:txBody>
                     <a:bodyPr/>
+                    <a:lstStyle/>
                     <a:p>
                       <a:pPr algn="ctr">
                         <a:buNone/>
@@ -5697,6 +5714,7 @@
                 <a:tc>
                   <a:txBody>
                     <a:bodyPr/>
+                    <a:lstStyle/>
                     <a:p>
                       <a:pPr algn="ctr">
                         <a:buNone/>
@@ -5713,7 +5731,319 @@
                         </a:rPr>
                         <a:t>int</a:t>
                       </a:r>
-                      <a:endParaRPr lang="zh-CN" altLang="en-US" sz="2800" dirty="0">
+                    </a:p>
+                  </a:txBody>
+                  <a:tcPr/>
+                </a:tc>
+                <a:tc>
+                  <a:txBody>
+                    <a:bodyPr/>
+                    <a:lstStyle/>
+                    <a:p>
+                      <a:pPr algn="ctr">
+                        <a:buNone/>
+                      </a:pPr>
+                      <a:r>
+                        <a:rPr lang="zh-CN" altLang="en-US" sz="2800" dirty="0">
+                          <a:solidFill>
+                            <a:srgbClr val="5F5F5F"/>
+                          </a:solidFill>
+                          <a:effectLst/>
+                          <a:latin typeface="微软雅黑" panose="020B0503020204020204" pitchFamily="34" charset="-122"/>
+                          <a:ea typeface="微软雅黑" panose="020B0503020204020204" pitchFamily="34" charset="-122"/>
+                          <a:cs typeface="微软雅黑" panose="020B0503020204020204" pitchFamily="34" charset="-122"/>
+                        </a:rPr>
+                        <a:t>Integer</a:t>
+                      </a:r>
+                    </a:p>
+                  </a:txBody>
+                  <a:tcPr/>
+                </a:tc>
+              </a:tr>
+              <a:tr h="381000">
+                <a:tc>
+                  <a:txBody>
+                    <a:bodyPr/>
+                    <a:lstStyle/>
+                    <a:p>
+                      <a:pPr algn="ctr">
+                        <a:buNone/>
+                      </a:pPr>
+                      <a:r>
+                        <a:rPr lang="zh-CN" altLang="en-US" sz="2800" dirty="0">
+                          <a:solidFill>
+                            <a:srgbClr val="5F5F5F"/>
+                          </a:solidFill>
+                          <a:effectLst/>
+                          <a:latin typeface="微软雅黑" panose="020B0503020204020204" pitchFamily="34" charset="-122"/>
+                          <a:ea typeface="微软雅黑" panose="020B0503020204020204" pitchFamily="34" charset="-122"/>
+                          <a:cs typeface="微软雅黑" panose="020B0503020204020204" pitchFamily="34" charset="-122"/>
+                        </a:rPr>
+                        <a:t>short</a:t>
+                      </a:r>
+                    </a:p>
+                  </a:txBody>
+                  <a:tcPr/>
+                </a:tc>
+                <a:tc>
+                  <a:txBody>
+                    <a:bodyPr/>
+                    <a:lstStyle/>
+                    <a:p>
+                      <a:pPr algn="ctr">
+                        <a:buNone/>
+                      </a:pPr>
+                      <a:r>
+                        <a:rPr lang="zh-CN" altLang="en-US" sz="2800" dirty="0">
+                          <a:solidFill>
+                            <a:srgbClr val="5F5F5F"/>
+                          </a:solidFill>
+                          <a:effectLst/>
+                          <a:latin typeface="微软雅黑" panose="020B0503020204020204" pitchFamily="34" charset="-122"/>
+                          <a:ea typeface="微软雅黑" panose="020B0503020204020204" pitchFamily="34" charset="-122"/>
+                          <a:cs typeface="微软雅黑" panose="020B0503020204020204" pitchFamily="34" charset="-122"/>
+                        </a:rPr>
+                        <a:t>Short</a:t>
+                      </a:r>
+                    </a:p>
+                  </a:txBody>
+                  <a:tcPr/>
+                </a:tc>
+              </a:tr>
+              <a:tr h="381000">
+                <a:tc>
+                  <a:txBody>
+                    <a:bodyPr/>
+                    <a:lstStyle/>
+                    <a:p>
+                      <a:pPr algn="ctr">
+                        <a:buNone/>
+                      </a:pPr>
+                      <a:r>
+                        <a:rPr lang="zh-CN" altLang="en-US" sz="2800" dirty="0">
+                          <a:solidFill>
+                            <a:srgbClr val="5F5F5F"/>
+                          </a:solidFill>
+                          <a:effectLst/>
+                          <a:latin typeface="微软雅黑" panose="020B0503020204020204" pitchFamily="34" charset="-122"/>
+                          <a:ea typeface="微软雅黑" panose="020B0503020204020204" pitchFamily="34" charset="-122"/>
+                          <a:cs typeface="微软雅黑" panose="020B0503020204020204" pitchFamily="34" charset="-122"/>
+                        </a:rPr>
+                        <a:t>long</a:t>
+                      </a:r>
+                    </a:p>
+                  </a:txBody>
+                  <a:tcPr/>
+                </a:tc>
+                <a:tc>
+                  <a:txBody>
+                    <a:bodyPr/>
+                    <a:lstStyle/>
+                    <a:p>
+                      <a:pPr algn="ctr">
+                        <a:buNone/>
+                      </a:pPr>
+                      <a:r>
+                        <a:rPr lang="zh-CN" altLang="en-US" sz="2800" dirty="0">
+                          <a:solidFill>
+                            <a:srgbClr val="5F5F5F"/>
+                          </a:solidFill>
+                          <a:effectLst/>
+                          <a:latin typeface="微软雅黑" panose="020B0503020204020204" pitchFamily="34" charset="-122"/>
+                          <a:ea typeface="微软雅黑" panose="020B0503020204020204" pitchFamily="34" charset="-122"/>
+                          <a:cs typeface="微软雅黑" panose="020B0503020204020204" pitchFamily="34" charset="-122"/>
+                        </a:rPr>
+                        <a:t>Long</a:t>
+                      </a:r>
+                    </a:p>
+                  </a:txBody>
+                  <a:tcPr/>
+                </a:tc>
+              </a:tr>
+              <a:tr h="381000">
+                <a:tc>
+                  <a:txBody>
+                    <a:bodyPr/>
+                    <a:lstStyle/>
+                    <a:p>
+                      <a:pPr algn="ctr">
+                        <a:buNone/>
+                      </a:pPr>
+                      <a:r>
+                        <a:rPr lang="zh-CN" altLang="en-US" sz="2800" dirty="0">
+                          <a:solidFill>
+                            <a:srgbClr val="5F5F5F"/>
+                          </a:solidFill>
+                          <a:effectLst/>
+                          <a:latin typeface="微软雅黑" panose="020B0503020204020204" pitchFamily="34" charset="-122"/>
+                          <a:ea typeface="微软雅黑" panose="020B0503020204020204" pitchFamily="34" charset="-122"/>
+                          <a:cs typeface="微软雅黑" panose="020B0503020204020204" pitchFamily="34" charset="-122"/>
+                        </a:rPr>
+                        <a:t>float</a:t>
+                      </a:r>
+                    </a:p>
+                  </a:txBody>
+                  <a:tcPr/>
+                </a:tc>
+                <a:tc>
+                  <a:txBody>
+                    <a:bodyPr/>
+                    <a:lstStyle/>
+                    <a:p>
+                      <a:pPr algn="ctr">
+                        <a:buNone/>
+                      </a:pPr>
+                      <a:r>
+                        <a:rPr lang="zh-CN" altLang="en-US" sz="2800" dirty="0">
+                          <a:solidFill>
+                            <a:srgbClr val="5F5F5F"/>
+                          </a:solidFill>
+                          <a:effectLst/>
+                          <a:latin typeface="微软雅黑" panose="020B0503020204020204" pitchFamily="34" charset="-122"/>
+                          <a:ea typeface="微软雅黑" panose="020B0503020204020204" pitchFamily="34" charset="-122"/>
+                          <a:cs typeface="微软雅黑" panose="020B0503020204020204" pitchFamily="34" charset="-122"/>
+                        </a:rPr>
+                        <a:t>Float</a:t>
+                      </a:r>
+                    </a:p>
+                  </a:txBody>
+                  <a:tcPr/>
+                </a:tc>
+              </a:tr>
+              <a:tr h="381000">
+                <a:tc>
+                  <a:txBody>
+                    <a:bodyPr/>
+                    <a:lstStyle/>
+                    <a:p>
+                      <a:pPr algn="ctr">
+                        <a:buNone/>
+                      </a:pPr>
+                      <a:r>
+                        <a:rPr lang="zh-CN" altLang="en-US" sz="2800" dirty="0">
+                          <a:solidFill>
+                            <a:srgbClr val="5F5F5F"/>
+                          </a:solidFill>
+                          <a:effectLst/>
+                          <a:latin typeface="微软雅黑" panose="020B0503020204020204" pitchFamily="34" charset="-122"/>
+                          <a:ea typeface="微软雅黑" panose="020B0503020204020204" pitchFamily="34" charset="-122"/>
+                          <a:cs typeface="微软雅黑" panose="020B0503020204020204" pitchFamily="34" charset="-122"/>
+                        </a:rPr>
+                        <a:t>double</a:t>
+                      </a:r>
+                    </a:p>
+                  </a:txBody>
+                  <a:tcPr/>
+                </a:tc>
+                <a:tc>
+                  <a:txBody>
+                    <a:bodyPr/>
+                    <a:lstStyle/>
+                    <a:p>
+                      <a:pPr algn="ctr">
+                        <a:buNone/>
+                      </a:pPr>
+                      <a:r>
+                        <a:rPr lang="zh-CN" altLang="en-US" sz="2800" dirty="0">
+                          <a:solidFill>
+                            <a:srgbClr val="5F5F5F"/>
+                          </a:solidFill>
+                          <a:effectLst/>
+                          <a:latin typeface="微软雅黑" panose="020B0503020204020204" pitchFamily="34" charset="-122"/>
+                          <a:ea typeface="微软雅黑" panose="020B0503020204020204" pitchFamily="34" charset="-122"/>
+                          <a:cs typeface="微软雅黑" panose="020B0503020204020204" pitchFamily="34" charset="-122"/>
+                        </a:rPr>
+                        <a:t>Double</a:t>
+                      </a:r>
+                    </a:p>
+                  </a:txBody>
+                  <a:tcPr/>
+                </a:tc>
+              </a:tr>
+              <a:tr h="381000">
+                <a:tc>
+                  <a:txBody>
+                    <a:bodyPr/>
+                    <a:lstStyle/>
+                    <a:p>
+                      <a:pPr algn="ctr">
+                        <a:buNone/>
+                      </a:pPr>
+                      <a:r>
+                        <a:rPr lang="zh-CN" altLang="en-US" sz="2800" dirty="0">
+                          <a:solidFill>
+                            <a:srgbClr val="5F5F5F"/>
+                          </a:solidFill>
+                          <a:effectLst/>
+                          <a:latin typeface="微软雅黑" panose="020B0503020204020204" pitchFamily="34" charset="-122"/>
+                          <a:ea typeface="微软雅黑" panose="020B0503020204020204" pitchFamily="34" charset="-122"/>
+                          <a:cs typeface="微软雅黑" panose="020B0503020204020204" pitchFamily="34" charset="-122"/>
+                        </a:rPr>
+                        <a:t>byte</a:t>
+                      </a:r>
+                    </a:p>
+                  </a:txBody>
+                  <a:tcPr/>
+                </a:tc>
+                <a:tc>
+                  <a:txBody>
+                    <a:bodyPr/>
+                    <a:lstStyle/>
+                    <a:p>
+                      <a:pPr algn="ctr">
+                        <a:buNone/>
+                      </a:pPr>
+                      <a:r>
+                        <a:rPr lang="zh-CN" altLang="en-US" sz="2800" dirty="0">
+                          <a:solidFill>
+                            <a:srgbClr val="5F5F5F"/>
+                          </a:solidFill>
+                          <a:effectLst/>
+                          <a:latin typeface="微软雅黑" panose="020B0503020204020204" pitchFamily="34" charset="-122"/>
+                          <a:ea typeface="微软雅黑" panose="020B0503020204020204" pitchFamily="34" charset="-122"/>
+                          <a:cs typeface="微软雅黑" panose="020B0503020204020204" pitchFamily="34" charset="-122"/>
+                        </a:rPr>
+                        <a:t>Byte</a:t>
+                      </a:r>
+                    </a:p>
+                  </a:txBody>
+                  <a:tcPr/>
+                </a:tc>
+              </a:tr>
+              <a:tr h="381000">
+                <a:tc>
+                  <a:txBody>
+                    <a:bodyPr/>
+                    <a:lstStyle/>
+                    <a:p>
+                      <a:pPr algn="ctr">
+                        <a:buNone/>
+                      </a:pPr>
+                      <a:r>
+                        <a:rPr lang="en-US" altLang="zh-CN" sz="2800" dirty="0" smtClean="0">
+                          <a:solidFill>
+                            <a:srgbClr val="5F5F5F"/>
+                          </a:solidFill>
+                          <a:effectLst/>
+                          <a:latin typeface="微软雅黑" panose="020B0503020204020204" pitchFamily="34" charset="-122"/>
+                          <a:ea typeface="微软雅黑" panose="020B0503020204020204" pitchFamily="34" charset="-122"/>
+                          <a:cs typeface="微软雅黑" panose="020B0503020204020204" pitchFamily="34" charset="-122"/>
+                        </a:rPr>
+                        <a:t>c</a:t>
+                      </a:r>
+                      <a:r>
+                        <a:rPr lang="zh-CN" altLang="en-US" sz="2800" dirty="0" smtClean="0">
+                          <a:solidFill>
+                            <a:srgbClr val="5F5F5F"/>
+                          </a:solidFill>
+                          <a:effectLst/>
+                          <a:latin typeface="微软雅黑" panose="020B0503020204020204" pitchFamily="34" charset="-122"/>
+                          <a:ea typeface="微软雅黑" panose="020B0503020204020204" pitchFamily="34" charset="-122"/>
+                          <a:cs typeface="微软雅黑" panose="020B0503020204020204" pitchFamily="34" charset="-122"/>
+                        </a:rPr>
+                        <a:t>har</a:t>
+                      </a:r>
+                      <a:endParaRPr lang="en-US" altLang="zh-CN" sz="2800" dirty="0">
                         <a:solidFill>
                           <a:srgbClr val="5F5F5F"/>
                         </a:solidFill>
@@ -5729,12 +6059,13 @@
                 <a:tc>
                   <a:txBody>
                     <a:bodyPr/>
+                    <a:lstStyle/>
                     <a:p>
                       <a:pPr algn="ctr">
                         <a:buNone/>
                       </a:pPr>
                       <a:r>
-                        <a:rPr lang="zh-CN" altLang="en-US" sz="2800" dirty="0">
+                        <a:rPr lang="zh-CN" altLang="en-US" sz="2800" dirty="0" smtClean="0">
                           <a:solidFill>
                             <a:srgbClr val="5F5F5F"/>
                           </a:solidFill>
@@ -5743,7 +6074,7 @@
                           <a:ea typeface="微软雅黑" panose="020B0503020204020204" pitchFamily="34" charset="-122"/>
                           <a:cs typeface="微软雅黑" panose="020B0503020204020204" pitchFamily="34" charset="-122"/>
                         </a:rPr>
-                        <a:t>Integer</a:t>
+                        <a:t>Char</a:t>
                       </a:r>
                       <a:endParaRPr lang="zh-CN" altLang="en-US" sz="2800" dirty="0">
                         <a:solidFill>
@@ -5763,12 +6094,27 @@
                 <a:tc>
                   <a:txBody>
                     <a:bodyPr/>
+                    <a:lstStyle/>
                     <a:p>
-                      <a:pPr algn="ctr">
+                      <a:pPr marL="0" marR="0" indent="0" algn="ctr" defTabSz="914400" rtl="0" eaLnBrk="1" fontAlgn="auto" latinLnBrk="0" hangingPunct="1">
+                        <a:lnSpc>
+                          <a:spcPct val="100000"/>
+                        </a:lnSpc>
+                        <a:spcBef>
+                          <a:spcPts val="0"/>
+                        </a:spcBef>
+                        <a:spcAft>
+                          <a:spcPts val="0"/>
+                        </a:spcAft>
+                        <a:buClrTx/>
+                        <a:buSzTx/>
+                        <a:buFontTx/>
                         <a:buNone/>
+                        <a:tabLst/>
+                        <a:defRPr/>
                       </a:pPr>
                       <a:r>
-                        <a:rPr lang="zh-CN" altLang="en-US" sz="2800" dirty="0">
+                        <a:rPr lang="zh-CN" altLang="en-US" sz="2800" dirty="0" smtClean="0">
                           <a:solidFill>
                             <a:srgbClr val="5F5F5F"/>
                           </a:solidFill>
@@ -5777,8 +6123,34 @@
                           <a:ea typeface="微软雅黑" panose="020B0503020204020204" pitchFamily="34" charset="-122"/>
                           <a:cs typeface="微软雅黑" panose="020B0503020204020204" pitchFamily="34" charset="-122"/>
                         </a:rPr>
-                        <a:t>short</a:t>
+                        <a:t>bool</a:t>
                       </a:r>
+                      <a:r>
+                        <a:rPr lang="en-US" altLang="zh-CN" sz="2800" dirty="0" err="1" smtClean="0">
+                          <a:solidFill>
+                            <a:srgbClr val="5F5F5F"/>
+                          </a:solidFill>
+                          <a:effectLst/>
+                          <a:latin typeface="微软雅黑" panose="020B0503020204020204" pitchFamily="34" charset="-122"/>
+                          <a:ea typeface="微软雅黑" panose="020B0503020204020204" pitchFamily="34" charset="-122"/>
+                          <a:cs typeface="微软雅黑" panose="020B0503020204020204" pitchFamily="34" charset="-122"/>
+                        </a:rPr>
+                        <a:t>ean</a:t>
+                      </a:r>
+                      <a:endParaRPr lang="en-US" altLang="zh-CN" sz="2800" dirty="0" smtClean="0">
+                        <a:solidFill>
+                          <a:srgbClr val="5F5F5F"/>
+                        </a:solidFill>
+                        <a:effectLst/>
+                        <a:latin typeface="微软雅黑" panose="020B0503020204020204" pitchFamily="34" charset="-122"/>
+                        <a:ea typeface="微软雅黑" panose="020B0503020204020204" pitchFamily="34" charset="-122"/>
+                        <a:cs typeface="微软雅黑" panose="020B0503020204020204" pitchFamily="34" charset="-122"/>
+                      </a:endParaRPr>
+                    </a:p>
+                    <a:p>
+                      <a:pPr algn="ctr">
+                        <a:buNone/>
+                      </a:pPr>
                       <a:endParaRPr lang="zh-CN" altLang="en-US" sz="2800" dirty="0">
                         <a:solidFill>
                           <a:srgbClr val="5F5F5F"/>
@@ -5795,354 +6167,27 @@
                 <a:tc>
                   <a:txBody>
                     <a:bodyPr/>
+                    <a:lstStyle/>
                     <a:p>
-                      <a:pPr algn="ctr">
+                      <a:pPr marL="0" marR="0" indent="0" algn="ctr" defTabSz="914400" rtl="0" eaLnBrk="1" fontAlgn="auto" latinLnBrk="0" hangingPunct="1">
+                        <a:lnSpc>
+                          <a:spcPct val="100000"/>
+                        </a:lnSpc>
+                        <a:spcBef>
+                          <a:spcPts val="0"/>
+                        </a:spcBef>
+                        <a:spcAft>
+                          <a:spcPts val="0"/>
+                        </a:spcAft>
+                        <a:buClrTx/>
+                        <a:buSzTx/>
+                        <a:buFontTx/>
                         <a:buNone/>
+                        <a:tabLst/>
+                        <a:defRPr/>
                       </a:pPr>
                       <a:r>
-                        <a:rPr lang="zh-CN" altLang="en-US" sz="2800" dirty="0">
-                          <a:solidFill>
-                            <a:srgbClr val="5F5F5F"/>
-                          </a:solidFill>
-                          <a:effectLst/>
-                          <a:latin typeface="微软雅黑" panose="020B0503020204020204" pitchFamily="34" charset="-122"/>
-                          <a:ea typeface="微软雅黑" panose="020B0503020204020204" pitchFamily="34" charset="-122"/>
-                          <a:cs typeface="微软雅黑" panose="020B0503020204020204" pitchFamily="34" charset="-122"/>
-                        </a:rPr>
-                        <a:t>Short</a:t>
-                      </a:r>
-                      <a:endParaRPr lang="zh-CN" altLang="en-US" sz="2800" dirty="0">
-                        <a:solidFill>
-                          <a:srgbClr val="5F5F5F"/>
-                        </a:solidFill>
-                        <a:effectLst/>
-                        <a:latin typeface="微软雅黑" panose="020B0503020204020204" pitchFamily="34" charset="-122"/>
-                        <a:ea typeface="微软雅黑" panose="020B0503020204020204" pitchFamily="34" charset="-122"/>
-                        <a:cs typeface="微软雅黑" panose="020B0503020204020204" pitchFamily="34" charset="-122"/>
-                      </a:endParaRPr>
-                    </a:p>
-                  </a:txBody>
-                  <a:tcPr/>
-                </a:tc>
-              </a:tr>
-              <a:tr h="381000">
-                <a:tc>
-                  <a:txBody>
-                    <a:bodyPr/>
-                    <a:p>
-                      <a:pPr algn="ctr">
-                        <a:buNone/>
-                      </a:pPr>
-                      <a:r>
-                        <a:rPr lang="zh-CN" altLang="en-US" sz="2800" dirty="0">
-                          <a:solidFill>
-                            <a:srgbClr val="5F5F5F"/>
-                          </a:solidFill>
-                          <a:effectLst/>
-                          <a:latin typeface="微软雅黑" panose="020B0503020204020204" pitchFamily="34" charset="-122"/>
-                          <a:ea typeface="微软雅黑" panose="020B0503020204020204" pitchFamily="34" charset="-122"/>
-                          <a:cs typeface="微软雅黑" panose="020B0503020204020204" pitchFamily="34" charset="-122"/>
-                        </a:rPr>
-                        <a:t>long</a:t>
-                      </a:r>
-                      <a:endParaRPr lang="zh-CN" altLang="en-US" sz="2800" dirty="0">
-                        <a:solidFill>
-                          <a:srgbClr val="5F5F5F"/>
-                        </a:solidFill>
-                        <a:effectLst/>
-                        <a:latin typeface="微软雅黑" panose="020B0503020204020204" pitchFamily="34" charset="-122"/>
-                        <a:ea typeface="微软雅黑" panose="020B0503020204020204" pitchFamily="34" charset="-122"/>
-                        <a:cs typeface="微软雅黑" panose="020B0503020204020204" pitchFamily="34" charset="-122"/>
-                      </a:endParaRPr>
-                    </a:p>
-                  </a:txBody>
-                  <a:tcPr/>
-                </a:tc>
-                <a:tc>
-                  <a:txBody>
-                    <a:bodyPr/>
-                    <a:p>
-                      <a:pPr algn="ctr">
-                        <a:buNone/>
-                      </a:pPr>
-                      <a:r>
-                        <a:rPr lang="zh-CN" altLang="en-US" sz="2800" dirty="0">
-                          <a:solidFill>
-                            <a:srgbClr val="5F5F5F"/>
-                          </a:solidFill>
-                          <a:effectLst/>
-                          <a:latin typeface="微软雅黑" panose="020B0503020204020204" pitchFamily="34" charset="-122"/>
-                          <a:ea typeface="微软雅黑" panose="020B0503020204020204" pitchFamily="34" charset="-122"/>
-                          <a:cs typeface="微软雅黑" panose="020B0503020204020204" pitchFamily="34" charset="-122"/>
-                        </a:rPr>
-                        <a:t>Long</a:t>
-                      </a:r>
-                      <a:endParaRPr lang="zh-CN" altLang="en-US" sz="2800" dirty="0">
-                        <a:solidFill>
-                          <a:srgbClr val="5F5F5F"/>
-                        </a:solidFill>
-                        <a:effectLst/>
-                        <a:latin typeface="微软雅黑" panose="020B0503020204020204" pitchFamily="34" charset="-122"/>
-                        <a:ea typeface="微软雅黑" panose="020B0503020204020204" pitchFamily="34" charset="-122"/>
-                        <a:cs typeface="微软雅黑" panose="020B0503020204020204" pitchFamily="34" charset="-122"/>
-                      </a:endParaRPr>
-                    </a:p>
-                  </a:txBody>
-                  <a:tcPr/>
-                </a:tc>
-              </a:tr>
-              <a:tr h="381000">
-                <a:tc>
-                  <a:txBody>
-                    <a:bodyPr/>
-                    <a:p>
-                      <a:pPr algn="ctr">
-                        <a:buNone/>
-                      </a:pPr>
-                      <a:r>
-                        <a:rPr lang="zh-CN" altLang="en-US" sz="2800" dirty="0">
-                          <a:solidFill>
-                            <a:srgbClr val="5F5F5F"/>
-                          </a:solidFill>
-                          <a:effectLst/>
-                          <a:latin typeface="微软雅黑" panose="020B0503020204020204" pitchFamily="34" charset="-122"/>
-                          <a:ea typeface="微软雅黑" panose="020B0503020204020204" pitchFamily="34" charset="-122"/>
-                          <a:cs typeface="微软雅黑" panose="020B0503020204020204" pitchFamily="34" charset="-122"/>
-                        </a:rPr>
-                        <a:t>float</a:t>
-                      </a:r>
-                      <a:endParaRPr lang="zh-CN" altLang="en-US" sz="2800" dirty="0">
-                        <a:solidFill>
-                          <a:srgbClr val="5F5F5F"/>
-                        </a:solidFill>
-                        <a:effectLst/>
-                        <a:latin typeface="微软雅黑" panose="020B0503020204020204" pitchFamily="34" charset="-122"/>
-                        <a:ea typeface="微软雅黑" panose="020B0503020204020204" pitchFamily="34" charset="-122"/>
-                        <a:cs typeface="微软雅黑" panose="020B0503020204020204" pitchFamily="34" charset="-122"/>
-                      </a:endParaRPr>
-                    </a:p>
-                  </a:txBody>
-                  <a:tcPr/>
-                </a:tc>
-                <a:tc>
-                  <a:txBody>
-                    <a:bodyPr/>
-                    <a:p>
-                      <a:pPr algn="ctr">
-                        <a:buNone/>
-                      </a:pPr>
-                      <a:r>
-                        <a:rPr lang="zh-CN" altLang="en-US" sz="2800" dirty="0">
-                          <a:solidFill>
-                            <a:srgbClr val="5F5F5F"/>
-                          </a:solidFill>
-                          <a:effectLst/>
-                          <a:latin typeface="微软雅黑" panose="020B0503020204020204" pitchFamily="34" charset="-122"/>
-                          <a:ea typeface="微软雅黑" panose="020B0503020204020204" pitchFamily="34" charset="-122"/>
-                          <a:cs typeface="微软雅黑" panose="020B0503020204020204" pitchFamily="34" charset="-122"/>
-                        </a:rPr>
-                        <a:t>Float</a:t>
-                      </a:r>
-                      <a:endParaRPr lang="zh-CN" altLang="en-US" sz="2800" dirty="0">
-                        <a:solidFill>
-                          <a:srgbClr val="5F5F5F"/>
-                        </a:solidFill>
-                        <a:effectLst/>
-                        <a:latin typeface="微软雅黑" panose="020B0503020204020204" pitchFamily="34" charset="-122"/>
-                        <a:ea typeface="微软雅黑" panose="020B0503020204020204" pitchFamily="34" charset="-122"/>
-                        <a:cs typeface="微软雅黑" panose="020B0503020204020204" pitchFamily="34" charset="-122"/>
-                      </a:endParaRPr>
-                    </a:p>
-                  </a:txBody>
-                  <a:tcPr/>
-                </a:tc>
-              </a:tr>
-              <a:tr h="381000">
-                <a:tc>
-                  <a:txBody>
-                    <a:bodyPr/>
-                    <a:p>
-                      <a:pPr algn="ctr">
-                        <a:buNone/>
-                      </a:pPr>
-                      <a:r>
-                        <a:rPr lang="zh-CN" altLang="en-US" sz="2800" dirty="0">
-                          <a:solidFill>
-                            <a:srgbClr val="5F5F5F"/>
-                          </a:solidFill>
-                          <a:effectLst/>
-                          <a:latin typeface="微软雅黑" panose="020B0503020204020204" pitchFamily="34" charset="-122"/>
-                          <a:ea typeface="微软雅黑" panose="020B0503020204020204" pitchFamily="34" charset="-122"/>
-                          <a:cs typeface="微软雅黑" panose="020B0503020204020204" pitchFamily="34" charset="-122"/>
-                        </a:rPr>
-                        <a:t>double</a:t>
-                      </a:r>
-                      <a:endParaRPr lang="zh-CN" altLang="en-US" sz="2800" dirty="0">
-                        <a:solidFill>
-                          <a:srgbClr val="5F5F5F"/>
-                        </a:solidFill>
-                        <a:effectLst/>
-                        <a:latin typeface="微软雅黑" panose="020B0503020204020204" pitchFamily="34" charset="-122"/>
-                        <a:ea typeface="微软雅黑" panose="020B0503020204020204" pitchFamily="34" charset="-122"/>
-                        <a:cs typeface="微软雅黑" panose="020B0503020204020204" pitchFamily="34" charset="-122"/>
-                      </a:endParaRPr>
-                    </a:p>
-                  </a:txBody>
-                  <a:tcPr/>
-                </a:tc>
-                <a:tc>
-                  <a:txBody>
-                    <a:bodyPr/>
-                    <a:p>
-                      <a:pPr algn="ctr">
-                        <a:buNone/>
-                      </a:pPr>
-                      <a:r>
-                        <a:rPr lang="zh-CN" altLang="en-US" sz="2800" dirty="0">
-                          <a:solidFill>
-                            <a:srgbClr val="5F5F5F"/>
-                          </a:solidFill>
-                          <a:effectLst/>
-                          <a:latin typeface="微软雅黑" panose="020B0503020204020204" pitchFamily="34" charset="-122"/>
-                          <a:ea typeface="微软雅黑" panose="020B0503020204020204" pitchFamily="34" charset="-122"/>
-                          <a:cs typeface="微软雅黑" panose="020B0503020204020204" pitchFamily="34" charset="-122"/>
-                        </a:rPr>
-                        <a:t>Double</a:t>
-                      </a:r>
-                      <a:endParaRPr lang="zh-CN" altLang="en-US" sz="2800" dirty="0">
-                        <a:solidFill>
-                          <a:srgbClr val="5F5F5F"/>
-                        </a:solidFill>
-                        <a:effectLst/>
-                        <a:latin typeface="微软雅黑" panose="020B0503020204020204" pitchFamily="34" charset="-122"/>
-                        <a:ea typeface="微软雅黑" panose="020B0503020204020204" pitchFamily="34" charset="-122"/>
-                        <a:cs typeface="微软雅黑" panose="020B0503020204020204" pitchFamily="34" charset="-122"/>
-                      </a:endParaRPr>
-                    </a:p>
-                  </a:txBody>
-                  <a:tcPr/>
-                </a:tc>
-              </a:tr>
-              <a:tr h="381000">
-                <a:tc>
-                  <a:txBody>
-                    <a:bodyPr/>
-                    <a:p>
-                      <a:pPr algn="ctr">
-                        <a:buNone/>
-                      </a:pPr>
-                      <a:r>
-                        <a:rPr lang="zh-CN" altLang="en-US" sz="2800" dirty="0">
-                          <a:solidFill>
-                            <a:srgbClr val="5F5F5F"/>
-                          </a:solidFill>
-                          <a:effectLst/>
-                          <a:latin typeface="微软雅黑" panose="020B0503020204020204" pitchFamily="34" charset="-122"/>
-                          <a:ea typeface="微软雅黑" panose="020B0503020204020204" pitchFamily="34" charset="-122"/>
-                          <a:cs typeface="微软雅黑" panose="020B0503020204020204" pitchFamily="34" charset="-122"/>
-                        </a:rPr>
-                        <a:t>byte</a:t>
-                      </a:r>
-                      <a:endParaRPr lang="zh-CN" altLang="en-US" sz="2800" dirty="0">
-                        <a:solidFill>
-                          <a:srgbClr val="5F5F5F"/>
-                        </a:solidFill>
-                        <a:effectLst/>
-                        <a:latin typeface="微软雅黑" panose="020B0503020204020204" pitchFamily="34" charset="-122"/>
-                        <a:ea typeface="微软雅黑" panose="020B0503020204020204" pitchFamily="34" charset="-122"/>
-                        <a:cs typeface="微软雅黑" panose="020B0503020204020204" pitchFamily="34" charset="-122"/>
-                      </a:endParaRPr>
-                    </a:p>
-                  </a:txBody>
-                  <a:tcPr/>
-                </a:tc>
-                <a:tc>
-                  <a:txBody>
-                    <a:bodyPr/>
-                    <a:p>
-                      <a:pPr algn="ctr">
-                        <a:buNone/>
-                      </a:pPr>
-                      <a:r>
-                        <a:rPr lang="zh-CN" altLang="en-US" sz="2800" dirty="0">
-                          <a:solidFill>
-                            <a:srgbClr val="5F5F5F"/>
-                          </a:solidFill>
-                          <a:effectLst/>
-                          <a:latin typeface="微软雅黑" panose="020B0503020204020204" pitchFamily="34" charset="-122"/>
-                          <a:ea typeface="微软雅黑" panose="020B0503020204020204" pitchFamily="34" charset="-122"/>
-                          <a:cs typeface="微软雅黑" panose="020B0503020204020204" pitchFamily="34" charset="-122"/>
-                        </a:rPr>
-                        <a:t>Byte</a:t>
-                      </a:r>
-                      <a:endParaRPr lang="zh-CN" altLang="en-US" sz="2800" dirty="0">
-                        <a:solidFill>
-                          <a:srgbClr val="5F5F5F"/>
-                        </a:solidFill>
-                        <a:effectLst/>
-                        <a:latin typeface="微软雅黑" panose="020B0503020204020204" pitchFamily="34" charset="-122"/>
-                        <a:ea typeface="微软雅黑" panose="020B0503020204020204" pitchFamily="34" charset="-122"/>
-                        <a:cs typeface="微软雅黑" panose="020B0503020204020204" pitchFamily="34" charset="-122"/>
-                      </a:endParaRPr>
-                    </a:p>
-                  </a:txBody>
-                  <a:tcPr/>
-                </a:tc>
-              </a:tr>
-              <a:tr h="381000">
-                <a:tc>
-                  <a:txBody>
-                    <a:bodyPr/>
-                    <a:p>
-                      <a:pPr algn="ctr">
-                        <a:buNone/>
-                      </a:pPr>
-                      <a:r>
-                        <a:rPr lang="zh-CN" altLang="en-US" sz="2800" dirty="0">
-                          <a:solidFill>
-                            <a:srgbClr val="5F5F5F"/>
-                          </a:solidFill>
-                          <a:effectLst/>
-                          <a:latin typeface="微软雅黑" panose="020B0503020204020204" pitchFamily="34" charset="-122"/>
-                          <a:ea typeface="微软雅黑" panose="020B0503020204020204" pitchFamily="34" charset="-122"/>
-                          <a:cs typeface="微软雅黑" panose="020B0503020204020204" pitchFamily="34" charset="-122"/>
-                        </a:rPr>
-                        <a:t>bool</a:t>
-                      </a:r>
-                      <a:r>
-                        <a:rPr lang="en-US" altLang="zh-CN" sz="2800" dirty="0">
-                          <a:solidFill>
-                            <a:srgbClr val="5F5F5F"/>
-                          </a:solidFill>
-                          <a:effectLst/>
-                          <a:latin typeface="微软雅黑" panose="020B0503020204020204" pitchFamily="34" charset="-122"/>
-                          <a:ea typeface="微软雅黑" panose="020B0503020204020204" pitchFamily="34" charset="-122"/>
-                          <a:cs typeface="微软雅黑" panose="020B0503020204020204" pitchFamily="34" charset="-122"/>
-                        </a:rPr>
-                        <a:t>ean</a:t>
-                      </a:r>
-                      <a:endParaRPr lang="en-US" altLang="zh-CN" sz="2800" dirty="0">
-                        <a:solidFill>
-                          <a:srgbClr val="5F5F5F"/>
-                        </a:solidFill>
-                        <a:effectLst/>
-                        <a:latin typeface="微软雅黑" panose="020B0503020204020204" pitchFamily="34" charset="-122"/>
-                        <a:ea typeface="微软雅黑" panose="020B0503020204020204" pitchFamily="34" charset="-122"/>
-                        <a:cs typeface="微软雅黑" panose="020B0503020204020204" pitchFamily="34" charset="-122"/>
-                      </a:endParaRPr>
-                    </a:p>
-                  </a:txBody>
-                  <a:tcPr/>
-                </a:tc>
-                <a:tc>
-                  <a:txBody>
-                    <a:bodyPr/>
-                    <a:p>
-                      <a:pPr algn="ctr">
-                        <a:buNone/>
-                      </a:pPr>
-                      <a:r>
-                        <a:rPr lang="zh-CN" altLang="en-US" sz="2800" dirty="0">
+                        <a:rPr lang="zh-CN" altLang="en-US" sz="2800" smtClean="0">
                           <a:solidFill>
                             <a:srgbClr val="5F5F5F"/>
                           </a:solidFill>
@@ -6153,7 +6198,7 @@
                         </a:rPr>
                         <a:t>Boolean</a:t>
                       </a:r>
-                      <a:endParaRPr lang="zh-CN" altLang="en-US" sz="2800" dirty="0">
+                      <a:endParaRPr lang="zh-CN" altLang="en-US" sz="2800" dirty="0" smtClean="0">
                         <a:solidFill>
                           <a:srgbClr val="5F5F5F"/>
                         </a:solidFill>
@@ -6163,62 +6208,10 @@
                         <a:cs typeface="微软雅黑" panose="020B0503020204020204" pitchFamily="34" charset="-122"/>
                       </a:endParaRPr>
                     </a:p>
-                  </a:txBody>
-                  <a:tcPr/>
-                </a:tc>
-              </a:tr>
-              <a:tr h="381000">
-                <a:tc>
-                  <a:txBody>
-                    <a:bodyPr/>
                     <a:p>
                       <a:pPr algn="ctr">
                         <a:buNone/>
                       </a:pPr>
-                      <a:r>
-                        <a:rPr lang="zh-CN" altLang="en-US" sz="2800" dirty="0">
-                          <a:solidFill>
-                            <a:srgbClr val="5F5F5F"/>
-                          </a:solidFill>
-                          <a:effectLst/>
-                          <a:latin typeface="微软雅黑" panose="020B0503020204020204" pitchFamily="34" charset="-122"/>
-                          <a:ea typeface="微软雅黑" panose="020B0503020204020204" pitchFamily="34" charset="-122"/>
-                          <a:cs typeface="微软雅黑" panose="020B0503020204020204" pitchFamily="34" charset="-122"/>
-                        </a:rPr>
-                        <a:t>char</a:t>
-                      </a:r>
-                      <a:endParaRPr lang="zh-CN" altLang="en-US" sz="2800" dirty="0">
-                        <a:solidFill>
-                          <a:srgbClr val="5F5F5F"/>
-                        </a:solidFill>
-                        <a:effectLst/>
-                        <a:latin typeface="微软雅黑" panose="020B0503020204020204" pitchFamily="34" charset="-122"/>
-                        <a:ea typeface="微软雅黑" panose="020B0503020204020204" pitchFamily="34" charset="-122"/>
-                        <a:cs typeface="微软雅黑" panose="020B0503020204020204" pitchFamily="34" charset="-122"/>
-                      </a:endParaRPr>
-                    </a:p>
-                  </a:txBody>
-                  <a:tcPr/>
-                </a:tc>
-                <a:tc>
-                  <a:txBody>
-                    <a:bodyPr/>
-                    <a:p>
-                      <a:pPr algn="ctr">
-                        <a:buNone/>
-                      </a:pPr>
-                      <a:r>
-                        <a:rPr lang="zh-CN" altLang="en-US" sz="2800" dirty="0">
-                          <a:solidFill>
-                            <a:srgbClr val="5F5F5F"/>
-                          </a:solidFill>
-                          <a:effectLst/>
-                          <a:latin typeface="微软雅黑" panose="020B0503020204020204" pitchFamily="34" charset="-122"/>
-                          <a:ea typeface="微软雅黑" panose="020B0503020204020204" pitchFamily="34" charset="-122"/>
-                          <a:cs typeface="微软雅黑" panose="020B0503020204020204" pitchFamily="34" charset="-122"/>
-                        </a:rPr>
-                        <a:t>Char</a:t>
-                      </a:r>
                       <a:endParaRPr lang="zh-CN" altLang="en-US" sz="2800" dirty="0">
                         <a:solidFill>
                           <a:srgbClr val="5F5F5F"/>
@@ -6409,12 +6402,6 @@
               </a:rPr>
               <a:t>，但基本类型不可以</a:t>
             </a:r>
-            <a:endParaRPr lang="zh-CN" altLang="en-US" sz="2800" dirty="0">
-              <a:latin typeface="微软雅黑" panose="020B0503020204020204" pitchFamily="34" charset="-122"/>
-              <a:ea typeface="微软雅黑" panose="020B0503020204020204" pitchFamily="34" charset="-122"/>
-              <a:cs typeface="微软雅黑" panose="020B0503020204020204" pitchFamily="34" charset="-122"/>
-              <a:sym typeface="Google Sans"/>
-            </a:endParaRPr>
           </a:p>
           <a:p>
             <a:pPr>
@@ -6440,12 +6427,6 @@
               </a:rPr>
               <a:t>包装类型可以用于泛型，但基本类型不可以</a:t>
             </a:r>
-            <a:endParaRPr lang="zh-CN" altLang="en-US" sz="2800" dirty="0">
-              <a:latin typeface="微软雅黑" panose="020B0503020204020204" pitchFamily="34" charset="-122"/>
-              <a:ea typeface="微软雅黑" panose="020B0503020204020204" pitchFamily="34" charset="-122"/>
-              <a:cs typeface="微软雅黑" panose="020B0503020204020204" pitchFamily="34" charset="-122"/>
-              <a:sym typeface="Google Sans"/>
-            </a:endParaRPr>
           </a:p>
           <a:p>
             <a:pPr>
@@ -6471,12 +6452,6 @@
               </a:rPr>
               <a:t>基本类型比包装类型更高效</a:t>
             </a:r>
-            <a:endParaRPr lang="zh-CN" altLang="en-US" sz="2800" dirty="0">
-              <a:latin typeface="微软雅黑" panose="020B0503020204020204" pitchFamily="34" charset="-122"/>
-              <a:ea typeface="微软雅黑" panose="020B0503020204020204" pitchFamily="34" charset="-122"/>
-              <a:cs typeface="微软雅黑" panose="020B0503020204020204" pitchFamily="34" charset="-122"/>
-              <a:sym typeface="Google Sans"/>
-            </a:endParaRPr>
           </a:p>
         </p:txBody>
       </p:sp>
@@ -6521,6 +6496,7 @@
           <a:bodyPr rot="0" vertOverflow="overflow" horzOverflow="overflow" vert="horz" wrap="square" lIns="45719" tIns="45719" rIns="45719" bIns="45719" numCol="1" spcCol="38100" rtlCol="0" anchor="ctr" forceAA="0">
             <a:spAutoFit/>
           </a:bodyPr>
+          <a:lstStyle/>
           <a:p>
             <a:pPr marL="0" marR="0" indent="0" algn="l" defTabSz="914400" rtl="0" fontAlgn="auto" latinLnBrk="0" hangingPunct="0">
               <a:lnSpc>
@@ -6662,6 +6638,7 @@
           <a:bodyPr rot="0" vertOverflow="overflow" horzOverflow="overflow" vert="horz" wrap="none" lIns="45719" tIns="45719" rIns="45719" bIns="45719" numCol="1" spcCol="38100" rtlCol="0" anchor="t" forceAA="0">
             <a:spAutoFit/>
           </a:bodyPr>
+          <a:lstStyle/>
           <a:p>
             <a:pPr marL="0" marR="0" indent="0" algn="l" defTabSz="914400" rtl="0" fontAlgn="auto" latinLnBrk="0" hangingPunct="0">
               <a:lnSpc>
@@ -6746,6 +6723,7 @@
           <a:bodyPr rot="0" vertOverflow="overflow" horzOverflow="overflow" vert="horz" wrap="none" lIns="45719" tIns="45719" rIns="45719" bIns="45719" numCol="1" spcCol="38100" rtlCol="0" anchor="t" forceAA="0">
             <a:spAutoFit/>
           </a:bodyPr>
+          <a:lstStyle/>
           <a:p>
             <a:pPr marL="0" marR="0" indent="0" algn="l" defTabSz="914400" rtl="0" fontAlgn="auto" latinLnBrk="0" hangingPunct="0">
               <a:lnSpc>
@@ -6831,6 +6809,7 @@
           <a:bodyPr rot="0" vertOverflow="overflow" horzOverflow="overflow" vert="horz" wrap="none" lIns="45719" tIns="45719" rIns="45719" bIns="45719" numCol="1" spcCol="38100" rtlCol="0" anchor="t" forceAA="0">
             <a:spAutoFit/>
           </a:bodyPr>
+          <a:lstStyle/>
           <a:p>
             <a:pPr marL="0" marR="0" indent="0" algn="l" defTabSz="914400" rtl="0" fontAlgn="auto" latinLnBrk="0" hangingPunct="0">
               <a:lnSpc>
@@ -6866,22 +6845,6 @@
               </a:rPr>
               <a:t>0x123</a:t>
             </a:r>
-            <a:endParaRPr kumimoji="0" lang="en-US" altLang="zh-CN" sz="1400" b="0" i="0" u="none" strike="noStrike" cap="none" spc="0" normalizeH="0" baseline="0" dirty="0" smtClean="0">
-              <a:ln>
-                <a:noFill/>
-              </a:ln>
-              <a:solidFill>
-                <a:schemeClr val="bg1">
-                  <a:lumMod val="50000"/>
-                </a:schemeClr>
-              </a:solidFill>
-              <a:effectLst/>
-              <a:uFillTx/>
-              <a:latin typeface="微软雅黑" panose="020B0503020204020204" pitchFamily="34" charset="-122"/>
-              <a:ea typeface="微软雅黑" panose="020B0503020204020204" pitchFamily="34" charset="-122"/>
-              <a:cs typeface="微软雅黑" panose="020B0503020204020204" pitchFamily="34" charset="-122"/>
-              <a:sym typeface="Times New Roman" panose="02020703060505090304"/>
-            </a:endParaRPr>
           </a:p>
         </p:txBody>
       </p:sp>
@@ -6921,6 +6884,7 @@
           <a:bodyPr rot="0" vertOverflow="overflow" horzOverflow="overflow" vert="horz" wrap="none" lIns="45719" tIns="45719" rIns="45719" bIns="45719" numCol="1" spcCol="38100" rtlCol="0" anchor="t" forceAA="0">
             <a:spAutoFit/>
           </a:bodyPr>
+          <a:lstStyle/>
           <a:p>
             <a:pPr marL="0" marR="0" indent="0" algn="l" defTabSz="914400" rtl="0" fontAlgn="auto" latinLnBrk="0" hangingPunct="0">
               <a:lnSpc>
@@ -6955,21 +6919,6 @@
               </a:rPr>
               <a:t>a</a:t>
             </a:r>
-            <a:endParaRPr kumimoji="0" lang="en-US" altLang="zh-CN" sz="2800" b="0" i="0" u="none" strike="noStrike" cap="none" spc="0" normalizeH="0" baseline="0" dirty="0" smtClean="0">
-              <a:ln>
-                <a:noFill/>
-              </a:ln>
-              <a:solidFill>
-                <a:schemeClr val="bg1">
-                  <a:lumMod val="50000"/>
-                </a:schemeClr>
-              </a:solidFill>
-              <a:effectLst/>
-              <a:uFillTx/>
-              <a:latin typeface="微软雅黑" panose="020B0503020204020204" pitchFamily="34" charset="-122"/>
-              <a:ea typeface="微软雅黑" panose="020B0503020204020204" pitchFamily="34" charset="-122"/>
-              <a:sym typeface="Times New Roman" panose="02020703060505090304"/>
-            </a:endParaRPr>
           </a:p>
         </p:txBody>
       </p:sp>
@@ -7009,6 +6958,7 @@
           <a:bodyPr rot="0" vertOverflow="overflow" horzOverflow="overflow" vert="horz" wrap="none" lIns="45719" tIns="45719" rIns="45719" bIns="45719" numCol="1" spcCol="38100" rtlCol="0" anchor="t" forceAA="0">
             <a:spAutoFit/>
           </a:bodyPr>
+          <a:lstStyle/>
           <a:p>
             <a:pPr marL="0" marR="0" indent="0" algn="l" defTabSz="914400" rtl="0" fontAlgn="auto" latinLnBrk="0" hangingPunct="0">
               <a:lnSpc>
@@ -7043,21 +6993,6 @@
               </a:rPr>
               <a:t>b</a:t>
             </a:r>
-            <a:endParaRPr kumimoji="0" lang="en-US" altLang="zh-CN" sz="2800" b="0" i="0" u="none" strike="noStrike" cap="none" spc="0" normalizeH="0" baseline="0" dirty="0" smtClean="0">
-              <a:ln>
-                <a:noFill/>
-              </a:ln>
-              <a:solidFill>
-                <a:schemeClr val="bg1">
-                  <a:lumMod val="50000"/>
-                </a:schemeClr>
-              </a:solidFill>
-              <a:effectLst/>
-              <a:uFillTx/>
-              <a:latin typeface="微软雅黑" panose="020B0503020204020204" pitchFamily="34" charset="-122"/>
-              <a:ea typeface="微软雅黑" panose="020B0503020204020204" pitchFamily="34" charset="-122"/>
-              <a:sym typeface="Times New Roman" panose="02020703060505090304"/>
-            </a:endParaRPr>
           </a:p>
         </p:txBody>
       </p:sp>
@@ -7102,6 +7037,7 @@
           <a:bodyPr rot="0" vertOverflow="overflow" horzOverflow="overflow" vert="horz" wrap="square" lIns="45719" tIns="45719" rIns="45719" bIns="45719" numCol="1" spcCol="38100" rtlCol="0" anchor="ctr" forceAA="0">
             <a:spAutoFit/>
           </a:bodyPr>
+          <a:lstStyle/>
           <a:p>
             <a:pPr marL="0" marR="0" indent="0" algn="l" defTabSz="914400" rtl="0" fontAlgn="auto" latinLnBrk="0" hangingPunct="0">
               <a:lnSpc>
@@ -7243,6 +7179,7 @@
           <a:bodyPr rot="0" vertOverflow="overflow" horzOverflow="overflow" vert="horz" wrap="none" lIns="45719" tIns="45719" rIns="45719" bIns="45719" numCol="1" spcCol="38100" rtlCol="0" anchor="t" forceAA="0">
             <a:spAutoFit/>
           </a:bodyPr>
+          <a:lstStyle/>
           <a:p>
             <a:pPr marL="0" marR="0" indent="0" algn="l" defTabSz="914400" rtl="0" fontAlgn="auto" latinLnBrk="0" hangingPunct="0">
               <a:lnSpc>
@@ -7328,6 +7265,7 @@
           <a:bodyPr rot="0" vertOverflow="overflow" horzOverflow="overflow" vert="horz" wrap="none" lIns="45719" tIns="45719" rIns="45719" bIns="45719" numCol="1" spcCol="38100" rtlCol="0" anchor="t" forceAA="0">
             <a:spAutoFit/>
           </a:bodyPr>
+          <a:lstStyle/>
           <a:p>
             <a:pPr marL="0" marR="0" indent="0" algn="l" defTabSz="914400" rtl="0" fontAlgn="auto" latinLnBrk="0" hangingPunct="0">
               <a:lnSpc>
@@ -7593,12 +7531,6 @@
               </a:rPr>
               <a:t>）</a:t>
             </a:r>
-            <a:endParaRPr lang="zh-CN" altLang="en-US" sz="2800" dirty="0">
-              <a:latin typeface="微软雅黑" panose="020B0503020204020204" pitchFamily="34" charset="-122"/>
-              <a:ea typeface="微软雅黑" panose="020B0503020204020204" pitchFamily="34" charset="-122"/>
-              <a:cs typeface="微软雅黑" panose="020B0503020204020204" pitchFamily="34" charset="-122"/>
-              <a:sym typeface="Google Sans"/>
-            </a:endParaRPr>
           </a:p>
           <a:p>
             <a:pPr>
@@ -7613,16 +7545,7 @@
                 <a:cs typeface="微软雅黑" panose="020B0503020204020204" pitchFamily="34" charset="-122"/>
                 <a:sym typeface="Google Sans"/>
               </a:rPr>
-              <a:t>自动拆箱：包装类型转换为基本类型</a:t>
-            </a:r>
-            <a:r>
-              <a:rPr lang="zh-CN" altLang="en-US" sz="2800" dirty="0">
-                <a:latin typeface="微软雅黑" panose="020B0503020204020204" pitchFamily="34" charset="-122"/>
-                <a:ea typeface="微软雅黑" panose="020B0503020204020204" pitchFamily="34" charset="-122"/>
-                <a:cs typeface="微软雅黑" panose="020B0503020204020204" pitchFamily="34" charset="-122"/>
-                <a:sym typeface="Google Sans"/>
-              </a:rPr>
-              <a:t>（</a:t>
+              <a:t>自动拆箱：包装类型转换为基本类型（</a:t>
             </a:r>
             <a:r>
               <a:rPr lang="en-US" altLang="zh-CN" sz="2800" dirty="0">
@@ -7631,16 +7554,7 @@
                 <a:cs typeface="微软雅黑" panose="020B0503020204020204" pitchFamily="34" charset="-122"/>
                 <a:sym typeface="Google Sans"/>
               </a:rPr>
-              <a:t>Integer</a:t>
-            </a:r>
-            <a:r>
-              <a:rPr lang="en-US" altLang="zh-CN" sz="2800" dirty="0">
-                <a:latin typeface="微软雅黑" panose="020B0503020204020204" pitchFamily="34" charset="-122"/>
-                <a:ea typeface="微软雅黑" panose="020B0503020204020204" pitchFamily="34" charset="-122"/>
-                <a:cs typeface="微软雅黑" panose="020B0503020204020204" pitchFamily="34" charset="-122"/>
-                <a:sym typeface="Google Sans"/>
-              </a:rPr>
-              <a:t> -&gt; int</a:t>
+              <a:t>Integer -&gt; int</a:t>
             </a:r>
             <a:r>
               <a:rPr lang="zh-CN" altLang="en-US" sz="2800" dirty="0">
@@ -7651,12 +7565,6 @@
               </a:rPr>
               <a:t>）</a:t>
             </a:r>
-            <a:endParaRPr lang="zh-CN" altLang="en-US" sz="2800" dirty="0">
-              <a:latin typeface="微软雅黑" panose="020B0503020204020204" pitchFamily="34" charset="-122"/>
-              <a:ea typeface="微软雅黑" panose="020B0503020204020204" pitchFamily="34" charset="-122"/>
-              <a:cs typeface="微软雅黑" panose="020B0503020204020204" pitchFamily="34" charset="-122"/>
-              <a:sym typeface="Google Sans"/>
-            </a:endParaRPr>
           </a:p>
           <a:p>
             <a:pPr>
@@ -7713,12 +7621,6 @@
               </a:rPr>
               <a:t>Integer.intValue()</a:t>
             </a:r>
-            <a:endParaRPr lang="en-US" altLang="zh-CN" sz="2800" dirty="0">
-              <a:latin typeface="微软雅黑" panose="020B0503020204020204" pitchFamily="34" charset="-122"/>
-              <a:ea typeface="微软雅黑" panose="020B0503020204020204" pitchFamily="34" charset="-122"/>
-              <a:cs typeface="微软雅黑" panose="020B0503020204020204" pitchFamily="34" charset="-122"/>
-              <a:sym typeface="Google Sans"/>
-            </a:endParaRPr>
           </a:p>
         </p:txBody>
       </p:sp>
@@ -7801,17 +7703,6 @@
               </a:rPr>
               <a:t>数值判等的陷阱</a:t>
             </a:r>
-            <a:endParaRPr lang="zh-CN" sz="2800" dirty="0">
-              <a:solidFill>
-                <a:schemeClr val="bg1">
-                  <a:lumMod val="50000"/>
-                </a:schemeClr>
-              </a:solidFill>
-              <a:latin typeface="微软雅黑" panose="020B0503020204020204" pitchFamily="34" charset="-122"/>
-              <a:ea typeface="微软雅黑" panose="020B0503020204020204" pitchFamily="34" charset="-122"/>
-              <a:cs typeface="Times New Roman" panose="02020703060505090304"/>
-              <a:sym typeface="Times New Roman" panose="02020703060505090304"/>
-            </a:endParaRPr>
           </a:p>
         </p:txBody>
       </p:sp>
@@ -7867,12 +7758,6 @@
               </a:rPr>
               <a:t>int a = 100;</a:t>
             </a:r>
-            <a:endParaRPr lang="en-US" altLang="zh-CN" sz="2800" dirty="0">
-              <a:latin typeface="微软雅黑" panose="020B0503020204020204" pitchFamily="34" charset="-122"/>
-              <a:ea typeface="微软雅黑" panose="020B0503020204020204" pitchFamily="34" charset="-122"/>
-              <a:cs typeface="微软雅黑" panose="020B0503020204020204" pitchFamily="34" charset="-122"/>
-              <a:sym typeface="Google Sans"/>
-            </a:endParaRPr>
           </a:p>
           <a:p>
             <a:pPr>
@@ -7889,12 +7774,6 @@
               </a:rPr>
               <a:t>Integer b = 100;</a:t>
             </a:r>
-            <a:endParaRPr lang="en-US" altLang="zh-CN" sz="2800" dirty="0">
-              <a:latin typeface="微软雅黑" panose="020B0503020204020204" pitchFamily="34" charset="-122"/>
-              <a:ea typeface="微软雅黑" panose="020B0503020204020204" pitchFamily="34" charset="-122"/>
-              <a:cs typeface="微软雅黑" panose="020B0503020204020204" pitchFamily="34" charset="-122"/>
-              <a:sym typeface="Google Sans"/>
-            </a:endParaRPr>
           </a:p>
           <a:p>
             <a:pPr>
@@ -7911,12 +7790,6 @@
               </a:rPr>
               <a:t>System.out.println(a == b);</a:t>
             </a:r>
-            <a:endParaRPr lang="en-US" altLang="zh-CN" sz="2800" dirty="0">
-              <a:latin typeface="微软雅黑" panose="020B0503020204020204" pitchFamily="34" charset="-122"/>
-              <a:ea typeface="微软雅黑" panose="020B0503020204020204" pitchFamily="34" charset="-122"/>
-              <a:cs typeface="微软雅黑" panose="020B0503020204020204" pitchFamily="34" charset="-122"/>
-              <a:sym typeface="Google Sans"/>
-            </a:endParaRPr>
           </a:p>
         </p:txBody>
       </p:sp>
@@ -7956,6 +7829,7 @@
           <a:bodyPr rot="0" spcFirstLastPara="1" vertOverflow="overflow" horzOverflow="overflow" vert="horz" wrap="square" lIns="45719" tIns="45719" rIns="45719" bIns="45719" numCol="1" spcCol="38100" rtlCol="0" anchor="t">
             <a:spAutoFit/>
           </a:bodyPr>
+          <a:lstStyle/>
           <a:p>
             <a:pPr>
               <a:lnSpc>
@@ -7971,12 +7845,6 @@
               </a:rPr>
               <a:t>Integer a = 200;</a:t>
             </a:r>
-            <a:endParaRPr lang="en-US" altLang="zh-CN" sz="2800" dirty="0">
-              <a:latin typeface="微软雅黑" panose="020B0503020204020204" pitchFamily="34" charset="-122"/>
-              <a:ea typeface="微软雅黑" panose="020B0503020204020204" pitchFamily="34" charset="-122"/>
-              <a:cs typeface="微软雅黑" panose="020B0503020204020204" pitchFamily="34" charset="-122"/>
-              <a:sym typeface="Google Sans"/>
-            </a:endParaRPr>
           </a:p>
           <a:p>
             <a:pPr>
@@ -7993,12 +7861,6 @@
               </a:rPr>
               <a:t>Integer b = 200;</a:t>
             </a:r>
-            <a:endParaRPr lang="en-US" altLang="zh-CN" sz="2800" dirty="0">
-              <a:latin typeface="微软雅黑" panose="020B0503020204020204" pitchFamily="34" charset="-122"/>
-              <a:ea typeface="微软雅黑" panose="020B0503020204020204" pitchFamily="34" charset="-122"/>
-              <a:cs typeface="微软雅黑" panose="020B0503020204020204" pitchFamily="34" charset="-122"/>
-              <a:sym typeface="Google Sans"/>
-            </a:endParaRPr>
           </a:p>
           <a:p>
             <a:pPr>
@@ -8015,12 +7877,6 @@
               </a:rPr>
               <a:t>System.out.println(a == b);</a:t>
             </a:r>
-            <a:endParaRPr lang="en-US" altLang="zh-CN" sz="2800" dirty="0">
-              <a:latin typeface="微软雅黑" panose="020B0503020204020204" pitchFamily="34" charset="-122"/>
-              <a:ea typeface="微软雅黑" panose="020B0503020204020204" pitchFamily="34" charset="-122"/>
-              <a:cs typeface="微软雅黑" panose="020B0503020204020204" pitchFamily="34" charset="-122"/>
-              <a:sym typeface="Google Sans"/>
-            </a:endParaRPr>
           </a:p>
         </p:txBody>
       </p:sp>
@@ -8060,6 +7916,7 @@
           <a:bodyPr rot="0" spcFirstLastPara="1" vertOverflow="overflow" horzOverflow="overflow" vert="horz" wrap="square" lIns="45719" tIns="45719" rIns="45719" bIns="45719" numCol="1" spcCol="38100" rtlCol="0" anchor="t">
             <a:spAutoFit/>
           </a:bodyPr>
+          <a:lstStyle/>
           <a:p>
             <a:pPr>
               <a:lnSpc>
@@ -8163,17 +8020,6 @@
               </a:rPr>
               <a:t>数值判等的陷阱</a:t>
             </a:r>
-            <a:endParaRPr lang="zh-CN" sz="2800" dirty="0">
-              <a:solidFill>
-                <a:schemeClr val="bg1">
-                  <a:lumMod val="50000"/>
-                </a:schemeClr>
-              </a:solidFill>
-              <a:latin typeface="微软雅黑" panose="020B0503020204020204" pitchFamily="34" charset="-122"/>
-              <a:ea typeface="微软雅黑" panose="020B0503020204020204" pitchFamily="34" charset="-122"/>
-              <a:cs typeface="Times New Roman" panose="02020703060505090304"/>
-              <a:sym typeface="Times New Roman" panose="02020703060505090304"/>
-            </a:endParaRPr>
           </a:p>
         </p:txBody>
       </p:sp>
@@ -8213,6 +8059,7 @@
           <a:bodyPr rot="0" spcFirstLastPara="1" vertOverflow="overflow" horzOverflow="overflow" vert="horz" wrap="square" lIns="45719" tIns="45719" rIns="45719" bIns="45719" numCol="1" spcCol="38100" rtlCol="0" anchor="t">
             <a:spAutoFit/>
           </a:bodyPr>
+          <a:lstStyle/>
           <a:p>
             <a:pPr>
               <a:lnSpc>
@@ -8290,12 +8137,6 @@
               </a:rPr>
               <a:t>基本类型和包装类型比较，会自动拆箱比较数值</a:t>
             </a:r>
-            <a:endParaRPr lang="zh-CN" altLang="en-US" sz="2800" dirty="0">
-              <a:latin typeface="微软雅黑" panose="020B0503020204020204" pitchFamily="34" charset="-122"/>
-              <a:ea typeface="微软雅黑" panose="020B0503020204020204" pitchFamily="34" charset="-122"/>
-              <a:cs typeface="微软雅黑" panose="020B0503020204020204" pitchFamily="34" charset="-122"/>
-              <a:sym typeface="Google Sans"/>
-            </a:endParaRPr>
           </a:p>
           <a:p>
             <a:pPr>
@@ -8333,15 +8174,6 @@
               </a:rPr>
               <a:t>注意缓存</a:t>
             </a:r>
-            <a:endParaRPr lang="zh-CN" altLang="en-US" sz="2800" dirty="0">
-              <a:solidFill>
-                <a:srgbClr val="FF0000"/>
-              </a:solidFill>
-              <a:latin typeface="微软雅黑" panose="020B0503020204020204" pitchFamily="34" charset="-122"/>
-              <a:ea typeface="微软雅黑" panose="020B0503020204020204" pitchFamily="34" charset="-122"/>
-              <a:cs typeface="微软雅黑" panose="020B0503020204020204" pitchFamily="34" charset="-122"/>
-              <a:sym typeface="Google Sans"/>
-            </a:endParaRPr>
           </a:p>
         </p:txBody>
       </p:sp>
@@ -9189,6 +9021,7 @@
       </a:style>
     </a:txDef>
   </a:objectDefaults>
+  <a:extraClrSchemeLst/>
   <a:extLst>
     <a:ext uri="{05A4C25C-085E-4340-85A3-A5531E510DB2}">
       <thm15:themeFamily xmlns:thm15="http://schemas.microsoft.com/office/thememl/2012/main" name="Office Theme" id="{62F939B6-93AF-4DB8-9C6B-D6C7DFDC589F}" vid="{4A3C46E8-61CC-4603-A589-7422A47A8E4A}"/>
@@ -10230,6 +10063,7 @@
       </a:style>
     </a:txDef>
   </a:objectDefaults>
+  <a:extraClrSchemeLst/>
   <a:extLst>
     <a:ext uri="{05A4C25C-085E-4340-85A3-A5531E510DB2}">
       <thm15:themeFamily xmlns:thm15="http://schemas.microsoft.com/office/thememl/2012/main" name="Office Theme" id="{62F939B6-93AF-4DB8-9C6B-D6C7DFDC589F}" vid="{4A3C46E8-61CC-4603-A589-7422A47A8E4A}"/>
@@ -10489,6 +10323,8 @@
       </a:bgFillStyleLst>
     </a:fmtScheme>
   </a:themeElements>
+  <a:objectDefaults/>
+  <a:extraClrSchemeLst/>
   <a:extLst>
     <a:ext uri="{05A4C25C-085E-4340-85A3-A5531E510DB2}">
       <thm15:themeFamily xmlns:thm15="http://schemas.microsoft.com/office/thememl/2012/main" name="Office Theme" id="{62F939B6-93AF-4DB8-9C6B-D6C7DFDC589F}" vid="{4A3C46E8-61CC-4603-A589-7422A47A8E4A}"/>
